--- a/CS270-Presentation.pptx
+++ b/CS270-Presentation.pptx
@@ -111,6 +111,22 @@
       </a:defRPr>
     </a:lvl9pPr>
   </p:defaultTextStyle>
+  <p:extLst>
+    <p:ext uri="{EFAFB233-063F-42B5-8137-9DF3F51BA10A}">
+      <p15:sldGuideLst xmlns:p15="http://schemas.microsoft.com/office/powerpoint/2012/main">
+        <p15:guide id="1" orient="horz" pos="2160">
+          <p15:clr>
+            <a:srgbClr val="A4A3A4"/>
+          </p15:clr>
+        </p15:guide>
+        <p15:guide id="2" pos="2880">
+          <p15:clr>
+            <a:srgbClr val="A4A3A4"/>
+          </p15:clr>
+        </p15:guide>
+      </p15:sldGuideLst>
+    </p:ext>
+  </p:extLst>
 </p:presentation>
 </file>
 
@@ -296,7 +312,7 @@
             <a:fld id="{8ACDB3CC-F982-40F9-8DD6-BCC9AFBF44BD}" type="datetime1">
               <a:rPr lang="en-US" smtClean="0"/>
               <a:pPr/>
-              <a:t>12/9/13</a:t>
+              <a:t>12/10/2013</a:t>
             </a:fld>
             <a:endParaRPr lang="en-US" dirty="0"/>
           </a:p>
@@ -466,7 +482,7 @@
           <a:p>
             <a:fld id="{68C2560D-EC28-3B41-86E8-18F1CE0113B4}" type="datetimeFigureOut">
               <a:rPr lang="en-US" smtClean="0"/>
-              <a:t>12/9/13</a:t>
+              <a:t>12/10/2013</a:t>
             </a:fld>
             <a:endParaRPr lang="en-US"/>
           </a:p>
@@ -646,7 +662,7 @@
           <a:p>
             <a:fld id="{68C2560D-EC28-3B41-86E8-18F1CE0113B4}" type="datetimeFigureOut">
               <a:rPr lang="en-US" smtClean="0"/>
-              <a:t>12/9/13</a:t>
+              <a:t>12/10/2013</a:t>
             </a:fld>
             <a:endParaRPr lang="en-US"/>
           </a:p>
@@ -816,7 +832,7 @@
           <a:p>
             <a:fld id="{68C2560D-EC28-3B41-86E8-18F1CE0113B4}" type="datetimeFigureOut">
               <a:rPr lang="en-US" smtClean="0"/>
-              <a:t>12/9/13</a:t>
+              <a:t>12/10/2013</a:t>
             </a:fld>
             <a:endParaRPr lang="en-US"/>
           </a:p>
@@ -1063,7 +1079,7 @@
             <a:fld id="{4A9E7B99-7C3F-4BC3-B7B8-7E1F8C620B24}" type="datetime1">
               <a:rPr lang="en-US" smtClean="0"/>
               <a:pPr/>
-              <a:t>12/9/13</a:t>
+              <a:t>12/10/2013</a:t>
             </a:fld>
             <a:endParaRPr lang="en-US"/>
           </a:p>
@@ -1352,7 +1368,7 @@
           <a:p>
             <a:fld id="{68C2560D-EC28-3B41-86E8-18F1CE0113B4}" type="datetimeFigureOut">
               <a:rPr lang="en-US" smtClean="0"/>
-              <a:t>12/9/13</a:t>
+              <a:t>12/10/2013</a:t>
             </a:fld>
             <a:endParaRPr lang="en-US"/>
           </a:p>
@@ -1774,7 +1790,7 @@
           <a:p>
             <a:fld id="{68C2560D-EC28-3B41-86E8-18F1CE0113B4}" type="datetimeFigureOut">
               <a:rPr lang="en-US" smtClean="0"/>
-              <a:t>12/9/13</a:t>
+              <a:t>12/10/2013</a:t>
             </a:fld>
             <a:endParaRPr lang="en-US"/>
           </a:p>
@@ -1892,7 +1908,7 @@
           <a:p>
             <a:fld id="{68C2560D-EC28-3B41-86E8-18F1CE0113B4}" type="datetimeFigureOut">
               <a:rPr lang="en-US" smtClean="0"/>
-              <a:t>12/9/13</a:t>
+              <a:t>12/10/2013</a:t>
             </a:fld>
             <a:endParaRPr lang="en-US"/>
           </a:p>
@@ -1987,7 +2003,7 @@
           <a:p>
             <a:fld id="{68C2560D-EC28-3B41-86E8-18F1CE0113B4}" type="datetimeFigureOut">
               <a:rPr lang="en-US" smtClean="0"/>
-              <a:t>12/9/13</a:t>
+              <a:t>12/10/2013</a:t>
             </a:fld>
             <a:endParaRPr lang="en-US"/>
           </a:p>
@@ -2264,7 +2280,7 @@
           <a:p>
             <a:fld id="{68C2560D-EC28-3B41-86E8-18F1CE0113B4}" type="datetimeFigureOut">
               <a:rPr lang="en-US" smtClean="0"/>
-              <a:t>12/9/13</a:t>
+              <a:t>12/10/2013</a:t>
             </a:fld>
             <a:endParaRPr lang="en-US"/>
           </a:p>
@@ -2524,7 +2540,7 @@
           <a:p>
             <a:fld id="{68C2560D-EC28-3B41-86E8-18F1CE0113B4}" type="datetimeFigureOut">
               <a:rPr lang="en-US" smtClean="0"/>
-              <a:t>12/9/13</a:t>
+              <a:t>12/10/2013</a:t>
             </a:fld>
             <a:endParaRPr lang="en-US"/>
           </a:p>
@@ -2737,7 +2753,7 @@
           <a:p>
             <a:fld id="{68C2560D-EC28-3B41-86E8-18F1CE0113B4}" type="datetimeFigureOut">
               <a:rPr lang="en-US" smtClean="0"/>
-              <a:t>12/9/13</a:t>
+              <a:t>12/10/2013</a:t>
             </a:fld>
             <a:endParaRPr lang="en-US"/>
           </a:p>
@@ -3233,7 +3249,15 @@
           <a:p>
             <a:r>
               <a:rPr lang="en-US" dirty="0" smtClean="0"/>
-              <a:t>Goal: Build an algorithm that is able to automatically convert data visualizations into raw data</a:t>
+              <a:t>Goal: Build an algorithm that </a:t>
+            </a:r>
+            <a:r>
+              <a:rPr lang="en-US" dirty="0" smtClean="0"/>
+              <a:t>can automatically </a:t>
+            </a:r>
+            <a:r>
+              <a:rPr lang="en-US" dirty="0" smtClean="0"/>
+              <a:t>convert data visualizations into raw data</a:t>
             </a:r>
           </a:p>
           <a:p>
@@ -3310,33 +3334,81 @@
         </p:nvSpPr>
         <p:spPr/>
         <p:txBody>
-          <a:bodyPr/>
-          <a:lstStyle/>
-          <a:p>
-            <a:r>
-              <a:rPr lang="en-US" dirty="0" smtClean="0"/>
-              <a:t>The components of extracting raw data from data visualizations are:</a:t>
-            </a:r>
+          <a:bodyPr>
+            <a:normAutofit/>
+          </a:bodyPr>
+          <a:lstStyle/>
+          <a:p>
+            <a:r>
+              <a:rPr lang="en-US" dirty="0" smtClean="0"/>
+              <a:t>Procedure:</a:t>
+            </a:r>
+            <a:endParaRPr lang="en-US" dirty="0" smtClean="0"/>
           </a:p>
           <a:p>
             <a:pPr lvl="1"/>
             <a:r>
               <a:rPr lang="en-US" dirty="0" smtClean="0"/>
-              <a:t>Take in a data visualization</a:t>
-            </a:r>
+              <a:t>Import </a:t>
+            </a:r>
+            <a:r>
+              <a:rPr lang="en-US" dirty="0" smtClean="0"/>
+              <a:t>data visualization</a:t>
+            </a:r>
+          </a:p>
+          <a:p>
+            <a:pPr lvl="2"/>
+            <a:r>
+              <a:rPr lang="en-US" dirty="0" smtClean="0"/>
+              <a:t>PIL, </a:t>
+            </a:r>
+            <a:r>
+              <a:rPr lang="en-US" dirty="0" err="1" smtClean="0"/>
+              <a:t>numpy</a:t>
+            </a:r>
+            <a:endParaRPr lang="en-US" dirty="0" smtClean="0"/>
           </a:p>
           <a:p>
             <a:pPr lvl="1"/>
             <a:r>
               <a:rPr lang="en-US" dirty="0" smtClean="0"/>
-              <a:t>Determine what type of graph or chart was handed to the program</a:t>
-            </a:r>
+              <a:t>Identify key features</a:t>
+            </a:r>
+          </a:p>
+          <a:p>
+            <a:pPr lvl="2"/>
+            <a:r>
+              <a:rPr lang="en-US" smtClean="0"/>
+              <a:t>Shape identification</a:t>
+            </a:r>
+            <a:endParaRPr lang="en-US" dirty="0" smtClean="0"/>
           </a:p>
           <a:p>
             <a:pPr lvl="1"/>
             <a:r>
               <a:rPr lang="en-US" dirty="0" smtClean="0"/>
-              <a:t>Extrapolate and output the data from the visualization</a:t>
+              <a:t>Determine graph type</a:t>
+            </a:r>
+          </a:p>
+          <a:p>
+            <a:pPr lvl="2"/>
+            <a:r>
+              <a:rPr lang="en-US" dirty="0" smtClean="0"/>
+              <a:t>Eigenvectors!</a:t>
+            </a:r>
+          </a:p>
+          <a:p>
+            <a:pPr lvl="1"/>
+            <a:r>
+              <a:rPr lang="en-US" dirty="0" smtClean="0"/>
+              <a:t>Extract data based on graph type</a:t>
+            </a:r>
+          </a:p>
+          <a:p>
+            <a:pPr lvl="2"/>
+            <a:r>
+              <a:rPr lang="en-US" dirty="0" smtClean="0"/>
+              <a:t>Pixel analysis and OCR</a:t>
             </a:r>
             <a:endParaRPr lang="en-US" dirty="0"/>
           </a:p>
@@ -4222,6 +4294,24 @@
 </file>
 
 <file path=customXml/item1.xml><?xml version="1.0" encoding="utf-8"?>
+<p:properties xmlns:p="http://schemas.microsoft.com/office/2006/metadata/properties" xmlns:xsi="http://www.w3.org/2001/XMLSchema-instance" xmlns:pc="http://schemas.microsoft.com/office/infopath/2007/PartnerControls">
+  <documentManagement>
+    <_Version xmlns="http://schemas.microsoft.com/sharepoint/v3/fields" xsi:nil="true"/>
+    <_Status xmlns="http://schemas.microsoft.com/sharepoint/v3/fields">Not Started</_Status>
+  </documentManagement>
+</p:properties>
+</file>
+
+<file path=customXml/item2.xml><?xml version="1.0" encoding="utf-8"?>
+<?mso-contentType ?>
+<FormTemplates xmlns="http://schemas.microsoft.com/sharepoint/v3/contenttype/forms">
+  <Display>DocumentLibraryForm</Display>
+  <Edit>DocumentLibraryForm</Edit>
+  <New>DocumentLibraryForm</New>
+</FormTemplates>
+</file>
+
+<file path=customXml/item3.xml><?xml version="1.0" encoding="utf-8"?>
 <ct:contentTypeSchema xmlns:ct="http://schemas.microsoft.com/office/2006/metadata/contentType" xmlns:ma="http://schemas.microsoft.com/office/2006/metadata/properties/metaAttributes" ct:_="" ma:_="" ma:contentTypeName="Document" ma:contentTypeID="0x0101000DE64AEEDD9B7A4D93545ACBE97D4615" ma:contentTypeVersion="2" ma:contentTypeDescription="Create a new document." ma:contentTypeScope="" ma:versionID="f49002b78e3a4a71b814eef46a983816">
   <xsd:schema xmlns:xsd="http://www.w3.org/2001/XMLSchema" xmlns:xs="http://www.w3.org/2001/XMLSchema" xmlns:p="http://schemas.microsoft.com/office/2006/metadata/properties" xmlns:ns2="http://schemas.microsoft.com/sharepoint/v3/fields" targetNamespace="http://schemas.microsoft.com/office/2006/metadata/properties" ma:root="true" ma:fieldsID="38f6db2dd0d9a0cf6a8dc37be32b365b" ns2:_="">
     <xsd:import namespace="http://schemas.microsoft.com/sharepoint/v3/fields"/>
@@ -4365,25 +4455,25 @@
 </ct:contentTypeSchema>
 </file>
 
-<file path=customXml/item2.xml><?xml version="1.0" encoding="utf-8"?>
-<?mso-contentType ?>
-<FormTemplates xmlns="http://schemas.microsoft.com/sharepoint/v3/contenttype/forms">
-  <Display>DocumentLibraryForm</Display>
-  <Edit>DocumentLibraryForm</Edit>
-  <New>DocumentLibraryForm</New>
-</FormTemplates>
+<file path=customXml/itemProps1.xml><?xml version="1.0" encoding="utf-8"?>
+<ds:datastoreItem xmlns:ds="http://schemas.openxmlformats.org/officeDocument/2006/customXml" ds:itemID="{7B6F2769-7194-4217-93D3-3AF3A4742282}">
+  <ds:schemaRefs>
+    <ds:schemaRef ds:uri="http://schemas.microsoft.com/office/2006/metadata/properties"/>
+    <ds:schemaRef ds:uri="http://schemas.microsoft.com/office/infopath/2007/PartnerControls"/>
+    <ds:schemaRef ds:uri="http://schemas.microsoft.com/sharepoint/v3/fields"/>
+  </ds:schemaRefs>
+</ds:datastoreItem>
 </file>
 
-<file path=customXml/item3.xml><?xml version="1.0" encoding="utf-8"?>
-<p:properties xmlns:p="http://schemas.microsoft.com/office/2006/metadata/properties" xmlns:xsi="http://www.w3.org/2001/XMLSchema-instance" xmlns:pc="http://schemas.microsoft.com/office/infopath/2007/PartnerControls">
-  <documentManagement>
-    <_Version xmlns="http://schemas.microsoft.com/sharepoint/v3/fields" xsi:nil="true"/>
-    <_Status xmlns="http://schemas.microsoft.com/sharepoint/v3/fields">Not Started</_Status>
-  </documentManagement>
-</p:properties>
+<file path=customXml/itemProps2.xml><?xml version="1.0" encoding="utf-8"?>
+<ds:datastoreItem xmlns:ds="http://schemas.openxmlformats.org/officeDocument/2006/customXml" ds:itemID="{87D2A1B0-FF3E-4009-940D-AED0EB70AA20}">
+  <ds:schemaRefs>
+    <ds:schemaRef ds:uri="http://schemas.microsoft.com/sharepoint/v3/contenttype/forms"/>
+  </ds:schemaRefs>
+</ds:datastoreItem>
 </file>
 
-<file path=customXml/itemProps1.xml><?xml version="1.0" encoding="utf-8"?>
+<file path=customXml/itemProps3.xml><?xml version="1.0" encoding="utf-8"?>
 <ds:datastoreItem xmlns:ds="http://schemas.openxmlformats.org/officeDocument/2006/customXml" ds:itemID="{E4214858-785C-42F7-BE66-6D0E79395FC8}">
   <ds:schemaRefs>
     <ds:schemaRef ds:uri="http://schemas.microsoft.com/office/2006/metadata/contentType"/>
@@ -4399,22 +4489,4 @@
     <ds:schemaRef ds:uri="http://schemas.microsoft.com/internal/obd"/>
   </ds:schemaRefs>
 </ds:datastoreItem>
-</file>
-
-<file path=customXml/itemProps2.xml><?xml version="1.0" encoding="utf-8"?>
-<ds:datastoreItem xmlns:ds="http://schemas.openxmlformats.org/officeDocument/2006/customXml" ds:itemID="{87D2A1B0-FF3E-4009-940D-AED0EB70AA20}">
-  <ds:schemaRefs>
-    <ds:schemaRef ds:uri="http://schemas.microsoft.com/sharepoint/v3/contenttype/forms"/>
-  </ds:schemaRefs>
-</ds:datastoreItem>
-</file>
-
-<file path=customXml/itemProps3.xml><?xml version="1.0" encoding="utf-8"?>
-<ds:datastoreItem xmlns:ds="http://schemas.openxmlformats.org/officeDocument/2006/customXml" ds:itemID="{7B6F2769-7194-4217-93D3-3AF3A4742282}">
-  <ds:schemaRefs>
-    <ds:schemaRef ds:uri="http://schemas.microsoft.com/office/2006/metadata/properties"/>
-    <ds:schemaRef ds:uri="http://schemas.microsoft.com/office/infopath/2007/PartnerControls"/>
-    <ds:schemaRef ds:uri="http://schemas.microsoft.com/sharepoint/v3/fields"/>
-  </ds:schemaRefs>
-</ds:datastoreItem>
 </file>
--- a/CS270-Presentation.pptx
+++ b/CS270-Presentation.pptx
@@ -3378,7 +3378,7 @@
           <a:p>
             <a:pPr lvl="2"/>
             <a:r>
-              <a:rPr lang="en-US" smtClean="0"/>
+              <a:rPr lang="en-US" dirty="0" smtClean="0"/>
               <a:t>Shape identification</a:t>
             </a:r>
             <a:endParaRPr lang="en-US" dirty="0" smtClean="0"/>
@@ -3461,7 +3461,15 @@
           <a:p>
             <a:r>
               <a:rPr lang="en-US" dirty="0" smtClean="0"/>
-              <a:t>Taking in a visualization</a:t>
+              <a:t>Identify Key </a:t>
+            </a:r>
+            <a:r>
+              <a:rPr lang="en-US" dirty="0"/>
+              <a:t>F</a:t>
+            </a:r>
+            <a:r>
+              <a:rPr lang="en-US" dirty="0" smtClean="0"/>
+              <a:t>eatures</a:t>
             </a:r>
             <a:endParaRPr lang="en-US" dirty="0"/>
           </a:p>
@@ -3477,46 +3485,59 @@
             <p:ph idx="1"/>
           </p:nvPr>
         </p:nvSpPr>
-        <p:spPr/>
-        <p:txBody>
-          <a:bodyPr/>
-          <a:lstStyle/>
-          <a:p>
-            <a:r>
-              <a:rPr lang="en-US" dirty="0" smtClean="0"/>
-              <a:t>Take in the image and determine what is background and what is a feature</a:t>
+        <p:spPr>
+          <a:xfrm>
+            <a:off x="457200" y="1592451"/>
+            <a:ext cx="8229600" cy="4525963"/>
+          </a:xfrm>
+        </p:spPr>
+        <p:txBody>
+          <a:bodyPr/>
+          <a:lstStyle/>
+          <a:p>
+            <a:r>
+              <a:rPr lang="en-US" dirty="0" smtClean="0"/>
+              <a:t>Find objects</a:t>
             </a:r>
           </a:p>
           <a:p>
             <a:pPr lvl="1"/>
             <a:r>
               <a:rPr lang="en-US" dirty="0" smtClean="0"/>
-              <a:t>Features include: axes, data points, labels </a:t>
-            </a:r>
-            <a:r>
-              <a:rPr lang="en-US" dirty="0" err="1" smtClean="0"/>
-              <a:t>etc</a:t>
-            </a:r>
-            <a:endParaRPr lang="en-US" dirty="0" smtClean="0"/>
-          </a:p>
-          <a:p>
-            <a:r>
-              <a:rPr lang="en-US" dirty="0" smtClean="0"/>
-              <a:t>Represent these features as a matrix, </a:t>
+              <a:t>Create {0,1} matrix </a:t>
             </a:r>
             <a:r>
               <a:rPr lang="en-US" i="1" dirty="0" smtClean="0"/>
               <a:t>Bob</a:t>
             </a:r>
-            <a:r>
-              <a:rPr lang="en-US" dirty="0" smtClean="0"/>
-              <a:t>, of {0, 1} values </a:t>
-            </a:r>
-          </a:p>
-          <a:p>
-            <a:pPr marL="0" indent="0">
-              <a:buNone/>
-            </a:pPr>
+          </a:p>
+          <a:p>
+            <a:r>
+              <a:rPr lang="en-US" dirty="0" smtClean="0"/>
+              <a:t>Determine feature types</a:t>
+            </a:r>
+          </a:p>
+          <a:p>
+            <a:pPr lvl="1"/>
+            <a:r>
+              <a:rPr lang="en-US" dirty="0" smtClean="0"/>
+              <a:t>Axes</a:t>
+            </a:r>
+            <a:r>
+              <a:rPr lang="en-US" dirty="0" smtClean="0"/>
+              <a:t>, data points, </a:t>
+            </a:r>
+            <a:r>
+              <a:rPr lang="en-US" dirty="0" smtClean="0"/>
+              <a:t>labels</a:t>
+            </a:r>
+          </a:p>
+          <a:p>
+            <a:pPr lvl="1"/>
+            <a:r>
+              <a:rPr lang="en-US" dirty="0" smtClean="0"/>
+              <a:t>Based on feature shapes</a:t>
+            </a:r>
             <a:endParaRPr lang="en-US" dirty="0" smtClean="0"/>
           </a:p>
         </p:txBody>
@@ -3568,7 +3589,7 @@
           <a:p>
             <a:r>
               <a:rPr lang="en-US" dirty="0" smtClean="0"/>
-              <a:t>Identifying Graph Type: Prep</a:t>
+              <a:t>Identify Graph Type</a:t>
             </a:r>
             <a:endParaRPr lang="en-US" dirty="0"/>
           </a:p>
@@ -3591,28 +3612,45 @@
           <a:p>
             <a:r>
               <a:rPr lang="en-US" dirty="0" smtClean="0"/>
-              <a:t> In order to prepare to identify the graph type create a set of eigenvectors, </a:t>
+              <a:t>Create a </a:t>
+            </a:r>
+            <a:r>
+              <a:rPr lang="en-US" dirty="0" smtClean="0"/>
+              <a:t>set of </a:t>
+            </a:r>
+            <a:r>
+              <a:rPr lang="en-US" dirty="0" smtClean="0"/>
+              <a:t>eigenvectors </a:t>
             </a:r>
             <a:r>
               <a:rPr lang="en-US" i="1" dirty="0" smtClean="0"/>
               <a:t>Alice</a:t>
             </a:r>
-            <a:r>
-              <a:rPr lang="en-US" dirty="0" smtClean="0"/>
-              <a:t>, that are representative of the different types of graphs</a:t>
-            </a:r>
+            <a:endParaRPr lang="en-US" dirty="0"/>
           </a:p>
           <a:p>
             <a:pPr lvl="1"/>
             <a:r>
               <a:rPr lang="en-US" dirty="0" smtClean="0"/>
-              <a:t>i.e. Scatter, Bar, Pie</a:t>
-            </a:r>
-          </a:p>
-          <a:p>
-            <a:r>
-              <a:rPr lang="en-US" dirty="0" smtClean="0"/>
-              <a:t>Do this by running the algorithm on visualizations of known graphs and iteratively update the eigenvector</a:t>
+              <a:t>Each represents type </a:t>
+            </a:r>
+            <a:r>
+              <a:rPr lang="en-US" dirty="0" smtClean="0"/>
+              <a:t>of </a:t>
+            </a:r>
+            <a:r>
+              <a:rPr lang="en-US" dirty="0" smtClean="0"/>
+              <a:t>graph</a:t>
+            </a:r>
+          </a:p>
+          <a:p>
+            <a:r>
+              <a:rPr lang="en-US" smtClean="0"/>
+              <a:t>Do </a:t>
+            </a:r>
+            <a:r>
+              <a:rPr lang="en-US" dirty="0" smtClean="0"/>
+              <a:t>this by running the algorithm on visualizations of known graphs and iteratively update the eigenvector</a:t>
             </a:r>
             <a:endParaRPr lang="en-US" dirty="0"/>
           </a:p>

--- a/CS270-Presentation.pptx
+++ b/CS270-Presentation.pptx
@@ -10,9 +10,8 @@
     <p:sldId id="258" r:id="rId7"/>
     <p:sldId id="259" r:id="rId8"/>
     <p:sldId id="260" r:id="rId9"/>
-    <p:sldId id="261" r:id="rId10"/>
-    <p:sldId id="262" r:id="rId11"/>
-    <p:sldId id="263" r:id="rId12"/>
+    <p:sldId id="262" r:id="rId10"/>
+    <p:sldId id="263" r:id="rId11"/>
   </p:sldIdLst>
   <p:sldSz cx="9144000" cy="6858000" type="screen4x3"/>
   <p:notesSz cx="6858000" cy="9144000"/>
@@ -3508,7 +3507,7 @@
             </a:r>
             <a:r>
               <a:rPr lang="en-US" i="1" dirty="0" smtClean="0"/>
-              <a:t>Bob</a:t>
+              <a:t>A</a:t>
             </a:r>
           </a:p>
           <a:p>
@@ -3624,7 +3623,7 @@
             </a:r>
             <a:r>
               <a:rPr lang="en-US" i="1" dirty="0" smtClean="0"/>
-              <a:t>Alice</a:t>
+              <a:t>B</a:t>
             </a:r>
             <a:endParaRPr lang="en-US" dirty="0"/>
           </a:p>
@@ -3644,15 +3643,53 @@
             </a:r>
           </a:p>
           <a:p>
-            <a:r>
-              <a:rPr lang="en-US" smtClean="0"/>
-              <a:t>Do </a:t>
-            </a:r>
-            <a:r>
-              <a:rPr lang="en-US" dirty="0" smtClean="0"/>
-              <a:t>this by running the algorithm on visualizations of known graphs and iteratively update the eigenvector</a:t>
-            </a:r>
-            <a:endParaRPr lang="en-US" dirty="0"/>
+            <a:pPr lvl="1"/>
+            <a:r>
+              <a:rPr lang="en-US" dirty="0" smtClean="0"/>
+              <a:t>Repeatedly analyze known graphs</a:t>
+            </a:r>
+          </a:p>
+          <a:p>
+            <a:r>
+              <a:rPr lang="en-US" dirty="0" smtClean="0"/>
+              <a:t>∀ </a:t>
+            </a:r>
+            <a:r>
+              <a:rPr lang="en-US" dirty="0" err="1" smtClean="0"/>
+              <a:t>v∈</a:t>
+            </a:r>
+            <a:r>
+              <a:rPr lang="en-US" i="1" dirty="0" err="1" smtClean="0"/>
+              <a:t>B</a:t>
+            </a:r>
+            <a:endParaRPr lang="en-US" i="1" dirty="0" smtClean="0"/>
+          </a:p>
+          <a:p>
+            <a:pPr lvl="1"/>
+            <a:r>
+              <a:rPr lang="en-US" dirty="0" smtClean="0"/>
+              <a:t>Find </a:t>
+            </a:r>
+            <a:r>
+              <a:rPr lang="en-US" i="1" dirty="0" smtClean="0"/>
+              <a:t>A</a:t>
+            </a:r>
+            <a:r>
+              <a:rPr lang="en-US" dirty="0" smtClean="0"/>
+              <a:t>v that changes v least</a:t>
+            </a:r>
+            <a:endParaRPr lang="en-US" i="1" dirty="0" smtClean="0"/>
+          </a:p>
+          <a:p>
+            <a:pPr lvl="1"/>
+            <a:r>
+              <a:rPr lang="en-US" dirty="0" smtClean="0"/>
+              <a:t>This gives the graph type</a:t>
+            </a:r>
+          </a:p>
+          <a:p>
+            <a:pPr lvl="1"/>
+            <a:endParaRPr lang="en-US" dirty="0" smtClean="0"/>
           </a:p>
         </p:txBody>
       </p:sp>
@@ -3698,20 +3735,14 @@
         </p:nvSpPr>
         <p:spPr/>
         <p:txBody>
-          <a:bodyPr/>
-          <a:lstStyle/>
-          <a:p>
-            <a:r>
-              <a:rPr lang="en-US" dirty="0" smtClean="0"/>
-              <a:t>Identifying </a:t>
-            </a:r>
-            <a:r>
-              <a:rPr lang="en-US" i="1" dirty="0" smtClean="0"/>
-              <a:t>Bob</a:t>
-            </a:r>
-            <a:r>
-              <a:rPr lang="en-US" dirty="0" smtClean="0"/>
-              <a:t>’s Graph Type</a:t>
+          <a:bodyPr>
+            <a:normAutofit/>
+          </a:bodyPr>
+          <a:lstStyle/>
+          <a:p>
+            <a:r>
+              <a:rPr lang="en-US" dirty="0" smtClean="0"/>
+              <a:t>Extracting Data</a:t>
             </a:r>
             <a:endParaRPr lang="en-US" dirty="0"/>
           </a:p>
@@ -3729,76 +3760,49 @@
         </p:nvSpPr>
         <p:spPr/>
         <p:txBody>
-          <a:bodyPr/>
-          <a:lstStyle/>
-          <a:p>
-            <a:r>
-              <a:rPr lang="en-US" dirty="0" smtClean="0"/>
-              <a:t>Use the known set of eigenvectors, </a:t>
-            </a:r>
-            <a:r>
-              <a:rPr lang="en-US" i="1" dirty="0" smtClean="0"/>
-              <a:t>Alice</a:t>
-            </a:r>
-            <a:r>
-              <a:rPr lang="en-US" dirty="0" smtClean="0"/>
-              <a:t>, as a grouping of experts to apply to </a:t>
-            </a:r>
-            <a:r>
-              <a:rPr lang="en-US" i="1" dirty="0" smtClean="0"/>
-              <a:t>Bob</a:t>
-            </a:r>
-            <a:r>
-              <a:rPr lang="en-US" dirty="0" smtClean="0"/>
-              <a:t> to determine the graph type</a:t>
-            </a:r>
-          </a:p>
-          <a:p>
-            <a:r>
-              <a:rPr lang="en-US" dirty="0" smtClean="0"/>
-              <a:t>Find the eigenvector in </a:t>
-            </a:r>
-            <a:r>
-              <a:rPr lang="en-US" i="1" dirty="0" smtClean="0"/>
-              <a:t>Alice </a:t>
-            </a:r>
-            <a:r>
-              <a:rPr lang="en-US" dirty="0" smtClean="0"/>
-              <a:t>that changes </a:t>
-            </a:r>
-            <a:r>
-              <a:rPr lang="en-US" i="1" dirty="0" smtClean="0"/>
-              <a:t>Bob</a:t>
-            </a:r>
-            <a:r>
-              <a:rPr lang="en-US" dirty="0" smtClean="0"/>
-              <a:t> the least when the dot product is taken</a:t>
+          <a:bodyPr>
+            <a:normAutofit/>
+          </a:bodyPr>
+          <a:lstStyle/>
+          <a:p>
+            <a:r>
+              <a:rPr lang="en-US" dirty="0" smtClean="0"/>
+              <a:t>Pixel analysis</a:t>
             </a:r>
           </a:p>
           <a:p>
             <a:pPr lvl="1"/>
             <a:r>
               <a:rPr lang="en-US" dirty="0" smtClean="0"/>
-              <a:t>Creating it more like an eigenvector</a:t>
-            </a:r>
-          </a:p>
-          <a:p>
-            <a:r>
-              <a:rPr lang="en-US" dirty="0" smtClean="0"/>
-              <a:t>Return the graph type associated with the expert that best matched </a:t>
-            </a:r>
-            <a:r>
-              <a:rPr lang="en-US" i="1" dirty="0" smtClean="0"/>
-              <a:t>Bob</a:t>
-            </a:r>
-            <a:endParaRPr lang="en-US" dirty="0"/>
+              <a:t>Find data positions in scatterplot</a:t>
+            </a:r>
+          </a:p>
+          <a:p>
+            <a:pPr lvl="1"/>
+            <a:r>
+              <a:rPr lang="en-US" dirty="0" smtClean="0"/>
+              <a:t>Scale to match axes</a:t>
+            </a:r>
+          </a:p>
+          <a:p>
+            <a:r>
+              <a:rPr lang="en-US" dirty="0" smtClean="0"/>
+              <a:t>Optical Character Recognition</a:t>
+            </a:r>
+          </a:p>
+          <a:p>
+            <a:pPr lvl="1"/>
+            <a:r>
+              <a:rPr lang="en-US" dirty="0" smtClean="0"/>
+              <a:t>Automatically read axis labels</a:t>
+            </a:r>
           </a:p>
         </p:txBody>
       </p:sp>
     </p:spTree>
     <p:extLst>
       <p:ext uri="{BB962C8B-B14F-4D97-AF65-F5344CB8AC3E}">
-        <p14:creationId xmlns:p14="http://schemas.microsoft.com/office/powerpoint/2010/main" val="289686827"/>
+        <p14:creationId xmlns:p14="http://schemas.microsoft.com/office/powerpoint/2010/main" val="907175117"/>
       </p:ext>
     </p:extLst>
   </p:cSld>
@@ -3837,162 +3841,64 @@
         </p:nvSpPr>
         <p:spPr/>
         <p:txBody>
+          <a:bodyPr/>
+          <a:lstStyle/>
+          <a:p>
+            <a:r>
+              <a:rPr lang="en-US" dirty="0" smtClean="0"/>
+              <a:t>Conclusion</a:t>
+            </a:r>
+            <a:endParaRPr lang="en-US" dirty="0"/>
+          </a:p>
+        </p:txBody>
+      </p:sp>
+      <p:sp>
+        <p:nvSpPr>
+          <p:cNvPr id="3" name="Content Placeholder 2"/>
+          <p:cNvSpPr>
+            <a:spLocks noGrp="1"/>
+          </p:cNvSpPr>
+          <p:nvPr>
+            <p:ph idx="1"/>
+          </p:nvPr>
+        </p:nvSpPr>
+        <p:spPr/>
+        <p:txBody>
           <a:bodyPr>
-            <a:normAutofit fontScale="90000"/>
+            <a:normAutofit/>
           </a:bodyPr>
           <a:lstStyle/>
           <a:p>
             <a:r>
               <a:rPr lang="en-US" dirty="0" smtClean="0"/>
-              <a:t>Extrapolating Data From Visualization</a:t>
-            </a:r>
-            <a:endParaRPr lang="en-US" dirty="0"/>
-          </a:p>
-        </p:txBody>
-      </p:sp>
-      <p:sp>
-        <p:nvSpPr>
-          <p:cNvPr id="3" name="Content Placeholder 2"/>
-          <p:cNvSpPr>
-            <a:spLocks noGrp="1"/>
-          </p:cNvSpPr>
-          <p:nvPr>
-            <p:ph idx="1"/>
-          </p:nvPr>
-        </p:nvSpPr>
-        <p:spPr/>
-        <p:txBody>
-          <a:bodyPr/>
-          <a:lstStyle/>
-          <a:p>
-            <a:r>
-              <a:rPr lang="en-US" dirty="0" smtClean="0"/>
-              <a:t>We can use the knowledge from </a:t>
-            </a:r>
-            <a:r>
-              <a:rPr lang="en-US" i="1" dirty="0" smtClean="0"/>
-              <a:t>Alice</a:t>
-            </a:r>
-            <a:r>
-              <a:rPr lang="en-US" dirty="0" smtClean="0"/>
-              <a:t>’s chosen expert to filter the different features out of </a:t>
-            </a:r>
-            <a:r>
-              <a:rPr lang="en-US" i="1" dirty="0" smtClean="0"/>
-              <a:t>Bob</a:t>
-            </a:r>
-            <a:r>
-              <a:rPr lang="en-US" dirty="0" smtClean="0"/>
-              <a:t> and determine their significance</a:t>
+              <a:t>Theoretical algorithm for </a:t>
+            </a:r>
+            <a:r>
+              <a:rPr lang="en-US" dirty="0" smtClean="0"/>
+              <a:t>graph type</a:t>
+            </a:r>
+          </a:p>
+          <a:p>
+            <a:r>
+              <a:rPr lang="en-US" dirty="0" smtClean="0"/>
+              <a:t>Working algorithm for scatterplots</a:t>
+            </a:r>
+          </a:p>
+          <a:p>
+            <a:r>
+              <a:rPr lang="en-US" dirty="0" smtClean="0"/>
+              <a:t>Future work:</a:t>
             </a:r>
           </a:p>
           <a:p>
             <a:pPr lvl="1"/>
             <a:r>
               <a:rPr lang="en-US" dirty="0" smtClean="0"/>
-              <a:t>What is a data point? Axis? Label?</a:t>
-            </a:r>
-          </a:p>
-          <a:p>
-            <a:r>
-              <a:rPr lang="en-US" dirty="0" smtClean="0"/>
-              <a:t>Use different processing techniques to handle the different types of graph data</a:t>
-            </a:r>
-          </a:p>
-          <a:p>
-            <a:pPr lvl="1"/>
-            <a:r>
-              <a:rPr lang="en-US" dirty="0" smtClean="0"/>
-              <a:t>OCR</a:t>
-            </a:r>
-          </a:p>
-          <a:p>
-            <a:pPr lvl="1"/>
-            <a:endParaRPr lang="en-US" dirty="0" smtClean="0"/>
-          </a:p>
-        </p:txBody>
-      </p:sp>
-    </p:spTree>
-    <p:extLst>
-      <p:ext uri="{BB962C8B-B14F-4D97-AF65-F5344CB8AC3E}">
-        <p14:creationId xmlns:p14="http://schemas.microsoft.com/office/powerpoint/2010/main" val="907175117"/>
-      </p:ext>
-    </p:extLst>
-  </p:cSld>
-  <p:clrMapOvr>
-    <a:masterClrMapping/>
-  </p:clrMapOvr>
-</p:sld>
-</file>
-
-<file path=ppt/slides/slide8.xml><?xml version="1.0" encoding="utf-8"?>
-<p:sld xmlns:a="http://schemas.openxmlformats.org/drawingml/2006/main" xmlns:r="http://schemas.openxmlformats.org/officeDocument/2006/relationships" xmlns:p="http://schemas.openxmlformats.org/presentationml/2006/main">
-  <p:cSld>
-    <p:spTree>
-      <p:nvGrpSpPr>
-        <p:cNvPr id="1" name=""/>
-        <p:cNvGrpSpPr/>
-        <p:nvPr/>
-      </p:nvGrpSpPr>
-      <p:grpSpPr>
-        <a:xfrm>
-          <a:off x="0" y="0"/>
-          <a:ext cx="0" cy="0"/>
-          <a:chOff x="0" y="0"/>
-          <a:chExt cx="0" cy="0"/>
-        </a:xfrm>
-      </p:grpSpPr>
-      <p:sp>
-        <p:nvSpPr>
-          <p:cNvPr id="2" name="Title 1"/>
-          <p:cNvSpPr>
-            <a:spLocks noGrp="1"/>
-          </p:cNvSpPr>
-          <p:nvPr>
-            <p:ph type="title"/>
-          </p:nvPr>
-        </p:nvSpPr>
-        <p:spPr/>
-        <p:txBody>
-          <a:bodyPr/>
-          <a:lstStyle/>
-          <a:p>
-            <a:r>
-              <a:rPr lang="en-US" dirty="0" smtClean="0"/>
-              <a:t>Conclusion</a:t>
-            </a:r>
-            <a:endParaRPr lang="en-US" dirty="0"/>
-          </a:p>
-        </p:txBody>
-      </p:sp>
-      <p:sp>
-        <p:nvSpPr>
-          <p:cNvPr id="3" name="Content Placeholder 2"/>
-          <p:cNvSpPr>
-            <a:spLocks noGrp="1"/>
-          </p:cNvSpPr>
-          <p:nvPr>
-            <p:ph idx="1"/>
-          </p:nvPr>
-        </p:nvSpPr>
-        <p:spPr/>
-        <p:txBody>
-          <a:bodyPr/>
-          <a:lstStyle/>
-          <a:p>
-            <a:r>
-              <a:rPr lang="en-US" dirty="0" smtClean="0"/>
-              <a:t>In our theoretical approach to building an algorithm to automatically extract the raw data from a data visualization we used expert’s algorithm, and eigenvectors to determine the exact values</a:t>
-            </a:r>
-          </a:p>
-          <a:p>
-            <a:r>
-              <a:rPr lang="en-US" dirty="0" smtClean="0"/>
-              <a:t>In our </a:t>
-            </a:r>
-            <a:r>
-              <a:rPr lang="en-US" smtClean="0"/>
-              <a:t>practical implementation we…</a:t>
+              <a:t>Extract data from other </a:t>
+            </a:r>
+            <a:r>
+              <a:rPr lang="en-US" smtClean="0"/>
+              <a:t>graph types</a:t>
             </a:r>
             <a:endParaRPr lang="en-US" dirty="0"/>
           </a:p>

--- a/CS270-Presentation.pptx
+++ b/CS270-Presentation.pptx
@@ -9,9 +9,11 @@
     <p:sldId id="257" r:id="rId6"/>
     <p:sldId id="258" r:id="rId7"/>
     <p:sldId id="259" r:id="rId8"/>
-    <p:sldId id="260" r:id="rId9"/>
-    <p:sldId id="262" r:id="rId10"/>
-    <p:sldId id="263" r:id="rId11"/>
+    <p:sldId id="264" r:id="rId9"/>
+    <p:sldId id="265" r:id="rId10"/>
+    <p:sldId id="260" r:id="rId11"/>
+    <p:sldId id="262" r:id="rId12"/>
+    <p:sldId id="263" r:id="rId13"/>
   </p:sldIdLst>
   <p:sldSz cx="9144000" cy="6858000" type="screen4x3"/>
   <p:notesSz cx="6858000" cy="9144000"/>
@@ -3588,7 +3590,7 @@
           <a:p>
             <a:r>
               <a:rPr lang="en-US" dirty="0" smtClean="0"/>
-              <a:t>Identify Graph Type</a:t>
+              <a:t>Original Graph</a:t>
             </a:r>
             <a:endParaRPr lang="en-US" dirty="0"/>
           </a:p>
@@ -3609,94 +3611,38 @@
           <a:bodyPr/>
           <a:lstStyle/>
           <a:p>
-            <a:r>
-              <a:rPr lang="en-US" dirty="0" smtClean="0"/>
-              <a:t>Create a </a:t>
-            </a:r>
-            <a:r>
-              <a:rPr lang="en-US" dirty="0" smtClean="0"/>
-              <a:t>set of </a:t>
-            </a:r>
-            <a:r>
-              <a:rPr lang="en-US" dirty="0" smtClean="0"/>
-              <a:t>eigenvectors </a:t>
-            </a:r>
-            <a:r>
-              <a:rPr lang="en-US" i="1" dirty="0" smtClean="0"/>
-              <a:t>B</a:t>
-            </a:r>
             <a:endParaRPr lang="en-US" dirty="0"/>
           </a:p>
-          <a:p>
-            <a:pPr lvl="1"/>
-            <a:r>
-              <a:rPr lang="en-US" dirty="0" smtClean="0"/>
-              <a:t>Each represents type </a:t>
-            </a:r>
-            <a:r>
-              <a:rPr lang="en-US" dirty="0" smtClean="0"/>
-              <a:t>of </a:t>
-            </a:r>
-            <a:r>
-              <a:rPr lang="en-US" dirty="0" smtClean="0"/>
-              <a:t>graph</a:t>
-            </a:r>
-          </a:p>
-          <a:p>
-            <a:pPr lvl="1"/>
-            <a:r>
-              <a:rPr lang="en-US" dirty="0" smtClean="0"/>
-              <a:t>Repeatedly analyze known graphs</a:t>
-            </a:r>
-          </a:p>
-          <a:p>
-            <a:r>
-              <a:rPr lang="en-US" dirty="0" smtClean="0"/>
-              <a:t>∀ </a:t>
-            </a:r>
-            <a:r>
-              <a:rPr lang="en-US" dirty="0" err="1" smtClean="0"/>
-              <a:t>v∈</a:t>
-            </a:r>
-            <a:r>
-              <a:rPr lang="en-US" i="1" dirty="0" err="1" smtClean="0"/>
-              <a:t>B</a:t>
-            </a:r>
-            <a:endParaRPr lang="en-US" i="1" dirty="0" smtClean="0"/>
-          </a:p>
-          <a:p>
-            <a:pPr lvl="1"/>
-            <a:r>
-              <a:rPr lang="en-US" dirty="0" smtClean="0"/>
-              <a:t>Find </a:t>
-            </a:r>
-            <a:r>
-              <a:rPr lang="en-US" i="1" dirty="0" smtClean="0"/>
-              <a:t>A</a:t>
-            </a:r>
-            <a:r>
-              <a:rPr lang="en-US" dirty="0" smtClean="0"/>
-              <a:t>v that changes v least</a:t>
-            </a:r>
-            <a:endParaRPr lang="en-US" i="1" dirty="0" smtClean="0"/>
-          </a:p>
-          <a:p>
-            <a:pPr lvl="1"/>
-            <a:r>
-              <a:rPr lang="en-US" dirty="0" smtClean="0"/>
-              <a:t>This gives the graph type</a:t>
-            </a:r>
-          </a:p>
-          <a:p>
-            <a:pPr lvl="1"/>
-            <a:endParaRPr lang="en-US" dirty="0" smtClean="0"/>
-          </a:p>
-        </p:txBody>
-      </p:sp>
+        </p:txBody>
+      </p:sp>
+      <p:pic>
+        <p:nvPicPr>
+          <p:cNvPr id="5" name="Picture 4"/>
+          <p:cNvPicPr>
+            <a:picLocks noChangeAspect="1"/>
+          </p:cNvPicPr>
+          <p:nvPr/>
+        </p:nvPicPr>
+        <p:blipFill>
+          <a:blip r:embed="rId2"/>
+          <a:stretch>
+            <a:fillRect/>
+          </a:stretch>
+        </p:blipFill>
+        <p:spPr>
+          <a:xfrm>
+            <a:off x="482600" y="1417638"/>
+            <a:ext cx="8229600" cy="4944604"/>
+          </a:xfrm>
+          <a:prstGeom prst="rect">
+            <a:avLst/>
+          </a:prstGeom>
+        </p:spPr>
+      </p:pic>
     </p:spTree>
     <p:extLst>
       <p:ext uri="{BB962C8B-B14F-4D97-AF65-F5344CB8AC3E}">
-        <p14:creationId xmlns:p14="http://schemas.microsoft.com/office/powerpoint/2010/main" val="3526430241"/>
+        <p14:creationId xmlns:p14="http://schemas.microsoft.com/office/powerpoint/2010/main" val="3682130417"/>
       </p:ext>
     </p:extLst>
   </p:cSld>
@@ -3735,14 +3681,12 @@
         </p:nvSpPr>
         <p:spPr/>
         <p:txBody>
-          <a:bodyPr>
-            <a:normAutofit/>
-          </a:bodyPr>
-          <a:lstStyle/>
-          <a:p>
-            <a:r>
-              <a:rPr lang="en-US" dirty="0" smtClean="0"/>
-              <a:t>Extracting Data</a:t>
+          <a:bodyPr/>
+          <a:lstStyle/>
+          <a:p>
+            <a:r>
+              <a:rPr lang="en-US" dirty="0" smtClean="0"/>
+              <a:t>Indexed Features</a:t>
             </a:r>
             <a:endParaRPr lang="en-US" dirty="0"/>
           </a:p>
@@ -3760,49 +3704,41 @@
         </p:nvSpPr>
         <p:spPr/>
         <p:txBody>
-          <a:bodyPr>
-            <a:normAutofit/>
-          </a:bodyPr>
-          <a:lstStyle/>
-          <a:p>
-            <a:r>
-              <a:rPr lang="en-US" dirty="0" smtClean="0"/>
-              <a:t>Pixel analysis</a:t>
-            </a:r>
-          </a:p>
-          <a:p>
-            <a:pPr lvl="1"/>
-            <a:r>
-              <a:rPr lang="en-US" dirty="0" smtClean="0"/>
-              <a:t>Find data positions in scatterplot</a:t>
-            </a:r>
-          </a:p>
-          <a:p>
-            <a:pPr lvl="1"/>
-            <a:r>
-              <a:rPr lang="en-US" dirty="0" smtClean="0"/>
-              <a:t>Scale to match axes</a:t>
-            </a:r>
-          </a:p>
-          <a:p>
-            <a:r>
-              <a:rPr lang="en-US" dirty="0" smtClean="0"/>
-              <a:t>Optical Character Recognition</a:t>
-            </a:r>
-          </a:p>
-          <a:p>
-            <a:pPr lvl="1"/>
-            <a:r>
-              <a:rPr lang="en-US" dirty="0" smtClean="0"/>
-              <a:t>Automatically read axis labels</a:t>
-            </a:r>
-          </a:p>
-        </p:txBody>
-      </p:sp>
+          <a:bodyPr/>
+          <a:lstStyle/>
+          <a:p>
+            <a:endParaRPr lang="en-US" dirty="0"/>
+          </a:p>
+        </p:txBody>
+      </p:sp>
+      <p:pic>
+        <p:nvPicPr>
+          <p:cNvPr id="5" name="Picture 4"/>
+          <p:cNvPicPr>
+            <a:picLocks noChangeAspect="1"/>
+          </p:cNvPicPr>
+          <p:nvPr/>
+        </p:nvPicPr>
+        <p:blipFill>
+          <a:blip r:embed="rId2"/>
+          <a:stretch>
+            <a:fillRect/>
+          </a:stretch>
+        </p:blipFill>
+        <p:spPr>
+          <a:xfrm>
+            <a:off x="457200" y="1417638"/>
+            <a:ext cx="8229600" cy="4962484"/>
+          </a:xfrm>
+          <a:prstGeom prst="rect">
+            <a:avLst/>
+          </a:prstGeom>
+        </p:spPr>
+      </p:pic>
     </p:spTree>
     <p:extLst>
       <p:ext uri="{BB962C8B-B14F-4D97-AF65-F5344CB8AC3E}">
-        <p14:creationId xmlns:p14="http://schemas.microsoft.com/office/powerpoint/2010/main" val="907175117"/>
+        <p14:creationId xmlns:p14="http://schemas.microsoft.com/office/powerpoint/2010/main" val="3968955446"/>
       </p:ext>
     </p:extLst>
   </p:cSld>
@@ -3846,7 +3782,7 @@
           <a:p>
             <a:r>
               <a:rPr lang="en-US" dirty="0" smtClean="0"/>
-              <a:t>Conclusion</a:t>
+              <a:t>Identify Graph Type</a:t>
             </a:r>
             <a:endParaRPr lang="en-US" dirty="0"/>
           </a:p>
@@ -3860,6 +3796,135 @@
           </p:cNvSpPr>
           <p:nvPr>
             <p:ph idx="1"/>
+          </p:nvPr>
+        </p:nvSpPr>
+        <p:spPr/>
+        <p:txBody>
+          <a:bodyPr/>
+          <a:lstStyle/>
+          <a:p>
+            <a:r>
+              <a:rPr lang="en-US" dirty="0" smtClean="0"/>
+              <a:t>Create a </a:t>
+            </a:r>
+            <a:r>
+              <a:rPr lang="en-US" dirty="0" smtClean="0"/>
+              <a:t>set of </a:t>
+            </a:r>
+            <a:r>
+              <a:rPr lang="en-US" dirty="0" smtClean="0"/>
+              <a:t>eigenvectors </a:t>
+            </a:r>
+            <a:r>
+              <a:rPr lang="en-US" i="1" dirty="0" smtClean="0"/>
+              <a:t>B</a:t>
+            </a:r>
+            <a:endParaRPr lang="en-US" dirty="0"/>
+          </a:p>
+          <a:p>
+            <a:pPr lvl="1"/>
+            <a:r>
+              <a:rPr lang="en-US" dirty="0" smtClean="0"/>
+              <a:t>Each represents type </a:t>
+            </a:r>
+            <a:r>
+              <a:rPr lang="en-US" dirty="0" smtClean="0"/>
+              <a:t>of </a:t>
+            </a:r>
+            <a:r>
+              <a:rPr lang="en-US" dirty="0" smtClean="0"/>
+              <a:t>graph</a:t>
+            </a:r>
+          </a:p>
+          <a:p>
+            <a:pPr lvl="1"/>
+            <a:r>
+              <a:rPr lang="en-US" dirty="0" smtClean="0"/>
+              <a:t>Repeatedly analyze known graphs</a:t>
+            </a:r>
+          </a:p>
+          <a:p>
+            <a:r>
+              <a:rPr lang="en-US" dirty="0" smtClean="0"/>
+              <a:t>∀ </a:t>
+            </a:r>
+            <a:r>
+              <a:rPr lang="en-US" dirty="0" err="1" smtClean="0"/>
+              <a:t>v∈</a:t>
+            </a:r>
+            <a:r>
+              <a:rPr lang="en-US" i="1" dirty="0" err="1" smtClean="0"/>
+              <a:t>B</a:t>
+            </a:r>
+            <a:endParaRPr lang="en-US" i="1" dirty="0" smtClean="0"/>
+          </a:p>
+          <a:p>
+            <a:pPr lvl="1"/>
+            <a:r>
+              <a:rPr lang="en-US" dirty="0" smtClean="0"/>
+              <a:t>Find </a:t>
+            </a:r>
+            <a:r>
+              <a:rPr lang="en-US" i="1" dirty="0" smtClean="0"/>
+              <a:t>A</a:t>
+            </a:r>
+            <a:r>
+              <a:rPr lang="en-US" dirty="0" smtClean="0"/>
+              <a:t>v that changes v least</a:t>
+            </a:r>
+            <a:endParaRPr lang="en-US" i="1" dirty="0" smtClean="0"/>
+          </a:p>
+          <a:p>
+            <a:pPr lvl="1"/>
+            <a:r>
+              <a:rPr lang="en-US" dirty="0" smtClean="0"/>
+              <a:t>This gives the graph type</a:t>
+            </a:r>
+          </a:p>
+          <a:p>
+            <a:pPr lvl="1"/>
+            <a:endParaRPr lang="en-US" dirty="0" smtClean="0"/>
+          </a:p>
+        </p:txBody>
+      </p:sp>
+    </p:spTree>
+    <p:extLst>
+      <p:ext uri="{BB962C8B-B14F-4D97-AF65-F5344CB8AC3E}">
+        <p14:creationId xmlns:p14="http://schemas.microsoft.com/office/powerpoint/2010/main" val="3526430241"/>
+      </p:ext>
+    </p:extLst>
+  </p:cSld>
+  <p:clrMapOvr>
+    <a:masterClrMapping/>
+  </p:clrMapOvr>
+</p:sld>
+</file>
+
+<file path=ppt/slides/slide8.xml><?xml version="1.0" encoding="utf-8"?>
+<p:sld xmlns:a="http://schemas.openxmlformats.org/drawingml/2006/main" xmlns:r="http://schemas.openxmlformats.org/officeDocument/2006/relationships" xmlns:p="http://schemas.openxmlformats.org/presentationml/2006/main">
+  <p:cSld>
+    <p:spTree>
+      <p:nvGrpSpPr>
+        <p:cNvPr id="1" name=""/>
+        <p:cNvGrpSpPr/>
+        <p:nvPr/>
+      </p:nvGrpSpPr>
+      <p:grpSpPr>
+        <a:xfrm>
+          <a:off x="0" y="0"/>
+          <a:ext cx="0" cy="0"/>
+          <a:chOff x="0" y="0"/>
+          <a:chExt cx="0" cy="0"/>
+        </a:xfrm>
+      </p:grpSpPr>
+      <p:sp>
+        <p:nvSpPr>
+          <p:cNvPr id="2" name="Title 1"/>
+          <p:cNvSpPr>
+            <a:spLocks noGrp="1"/>
+          </p:cNvSpPr>
+          <p:nvPr>
+            <p:ph type="title"/>
           </p:nvPr>
         </p:nvSpPr>
         <p:spPr/>
@@ -3871,6 +3936,135 @@
           <a:p>
             <a:r>
               <a:rPr lang="en-US" dirty="0" smtClean="0"/>
+              <a:t>Extracting Data</a:t>
+            </a:r>
+            <a:endParaRPr lang="en-US" dirty="0"/>
+          </a:p>
+        </p:txBody>
+      </p:sp>
+      <p:sp>
+        <p:nvSpPr>
+          <p:cNvPr id="3" name="Content Placeholder 2"/>
+          <p:cNvSpPr>
+            <a:spLocks noGrp="1"/>
+          </p:cNvSpPr>
+          <p:nvPr>
+            <p:ph idx="1"/>
+          </p:nvPr>
+        </p:nvSpPr>
+        <p:spPr/>
+        <p:txBody>
+          <a:bodyPr>
+            <a:normAutofit/>
+          </a:bodyPr>
+          <a:lstStyle/>
+          <a:p>
+            <a:r>
+              <a:rPr lang="en-US" dirty="0" smtClean="0"/>
+              <a:t>Pixel analysis</a:t>
+            </a:r>
+          </a:p>
+          <a:p>
+            <a:pPr lvl="1"/>
+            <a:r>
+              <a:rPr lang="en-US" dirty="0" smtClean="0"/>
+              <a:t>Find data positions in scatterplot</a:t>
+            </a:r>
+          </a:p>
+          <a:p>
+            <a:pPr lvl="1"/>
+            <a:r>
+              <a:rPr lang="en-US" dirty="0" smtClean="0"/>
+              <a:t>Scale to match axes</a:t>
+            </a:r>
+          </a:p>
+          <a:p>
+            <a:r>
+              <a:rPr lang="en-US" dirty="0" smtClean="0"/>
+              <a:t>Optical Character Recognition</a:t>
+            </a:r>
+          </a:p>
+          <a:p>
+            <a:pPr lvl="1"/>
+            <a:r>
+              <a:rPr lang="en-US" dirty="0" smtClean="0"/>
+              <a:t>Automatically read axis labels</a:t>
+            </a:r>
+          </a:p>
+        </p:txBody>
+      </p:sp>
+    </p:spTree>
+    <p:extLst>
+      <p:ext uri="{BB962C8B-B14F-4D97-AF65-F5344CB8AC3E}">
+        <p14:creationId xmlns:p14="http://schemas.microsoft.com/office/powerpoint/2010/main" val="907175117"/>
+      </p:ext>
+    </p:extLst>
+  </p:cSld>
+  <p:clrMapOvr>
+    <a:masterClrMapping/>
+  </p:clrMapOvr>
+</p:sld>
+</file>
+
+<file path=ppt/slides/slide9.xml><?xml version="1.0" encoding="utf-8"?>
+<p:sld xmlns:a="http://schemas.openxmlformats.org/drawingml/2006/main" xmlns:r="http://schemas.openxmlformats.org/officeDocument/2006/relationships" xmlns:p="http://schemas.openxmlformats.org/presentationml/2006/main">
+  <p:cSld>
+    <p:spTree>
+      <p:nvGrpSpPr>
+        <p:cNvPr id="1" name=""/>
+        <p:cNvGrpSpPr/>
+        <p:nvPr/>
+      </p:nvGrpSpPr>
+      <p:grpSpPr>
+        <a:xfrm>
+          <a:off x="0" y="0"/>
+          <a:ext cx="0" cy="0"/>
+          <a:chOff x="0" y="0"/>
+          <a:chExt cx="0" cy="0"/>
+        </a:xfrm>
+      </p:grpSpPr>
+      <p:sp>
+        <p:nvSpPr>
+          <p:cNvPr id="2" name="Title 1"/>
+          <p:cNvSpPr>
+            <a:spLocks noGrp="1"/>
+          </p:cNvSpPr>
+          <p:nvPr>
+            <p:ph type="title"/>
+          </p:nvPr>
+        </p:nvSpPr>
+        <p:spPr/>
+        <p:txBody>
+          <a:bodyPr/>
+          <a:lstStyle/>
+          <a:p>
+            <a:r>
+              <a:rPr lang="en-US" dirty="0" smtClean="0"/>
+              <a:t>Conclusion</a:t>
+            </a:r>
+            <a:endParaRPr lang="en-US" dirty="0"/>
+          </a:p>
+        </p:txBody>
+      </p:sp>
+      <p:sp>
+        <p:nvSpPr>
+          <p:cNvPr id="3" name="Content Placeholder 2"/>
+          <p:cNvSpPr>
+            <a:spLocks noGrp="1"/>
+          </p:cNvSpPr>
+          <p:nvPr>
+            <p:ph idx="1"/>
+          </p:nvPr>
+        </p:nvSpPr>
+        <p:spPr/>
+        <p:txBody>
+          <a:bodyPr>
+            <a:normAutofit/>
+          </a:bodyPr>
+          <a:lstStyle/>
+          <a:p>
+            <a:r>
+              <a:rPr lang="en-US" dirty="0" smtClean="0"/>
               <a:t>Theoretical algorithm for </a:t>
             </a:r>
             <a:r>
@@ -3894,11 +4088,7 @@
             <a:pPr lvl="1"/>
             <a:r>
               <a:rPr lang="en-US" dirty="0" smtClean="0"/>
-              <a:t>Extract data from other </a:t>
-            </a:r>
-            <a:r>
-              <a:rPr lang="en-US" smtClean="0"/>
-              <a:t>graph types</a:t>
+              <a:t>Extract data from other graph types</a:t>
             </a:r>
             <a:endParaRPr lang="en-US" dirty="0"/>
           </a:p>

--- a/CS270-Presentation.pptx
+++ b/CS270-Presentation.pptx
@@ -3250,21 +3250,19 @@
           <a:p>
             <a:r>
               <a:rPr lang="en-US" dirty="0" smtClean="0"/>
-              <a:t>Goal: Build an algorithm that </a:t>
-            </a:r>
-            <a:r>
-              <a:rPr lang="en-US" dirty="0" smtClean="0"/>
-              <a:t>can automatically </a:t>
-            </a:r>
-            <a:r>
-              <a:rPr lang="en-US" dirty="0" smtClean="0"/>
-              <a:t>convert data visualizations into raw data</a:t>
-            </a:r>
-          </a:p>
-          <a:p>
-            <a:r>
-              <a:rPr lang="en-US" dirty="0" smtClean="0"/>
-              <a:t>Our final product is a mixture of theory and practical demonstration in order to extract the information out of a visualization</a:t>
+              <a:t>Goal: </a:t>
+            </a:r>
+            <a:r>
+              <a:rPr lang="en-US" dirty="0" smtClean="0"/>
+              <a:t>Automatically </a:t>
+            </a:r>
+            <a:r>
+              <a:rPr lang="en-US" dirty="0" smtClean="0"/>
+              <a:t>convert data visualizations into raw </a:t>
+            </a:r>
+            <a:r>
+              <a:rPr lang="en-US" dirty="0" smtClean="0"/>
+              <a:t>data</a:t>
             </a:r>
             <a:endParaRPr lang="en-US" dirty="0"/>
           </a:p>
@@ -3358,14 +3356,17 @@
             </a:r>
           </a:p>
           <a:p>
+            <a:pPr lvl="1"/>
+            <a:r>
+              <a:rPr lang="en-US" dirty="0" smtClean="0"/>
+              <a:t>Identify key features</a:t>
+            </a:r>
+          </a:p>
+          <a:p>
             <a:pPr lvl="2"/>
             <a:r>
               <a:rPr lang="en-US" dirty="0" smtClean="0"/>
-              <a:t>PIL, </a:t>
-            </a:r>
-            <a:r>
-              <a:rPr lang="en-US" dirty="0" err="1" smtClean="0"/>
-              <a:t>numpy</a:t>
+              <a:t>Shape identification</a:t>
             </a:r>
             <a:endParaRPr lang="en-US" dirty="0" smtClean="0"/>
           </a:p>
@@ -3373,43 +3374,28 @@
             <a:pPr lvl="1"/>
             <a:r>
               <a:rPr lang="en-US" dirty="0" smtClean="0"/>
-              <a:t>Identify key features</a:t>
+              <a:t>Determine graph type</a:t>
             </a:r>
           </a:p>
           <a:p>
             <a:pPr lvl="2"/>
             <a:r>
               <a:rPr lang="en-US" dirty="0" smtClean="0"/>
-              <a:t>Shape identification</a:t>
-            </a:r>
-            <a:endParaRPr lang="en-US" dirty="0" smtClean="0"/>
+              <a:t>Eigenvectors!</a:t>
+            </a:r>
           </a:p>
           <a:p>
             <a:pPr lvl="1"/>
             <a:r>
               <a:rPr lang="en-US" dirty="0" smtClean="0"/>
-              <a:t>Determine graph type</a:t>
+              <a:t>Extract data based on graph type</a:t>
             </a:r>
           </a:p>
           <a:p>
             <a:pPr lvl="2"/>
             <a:r>
               <a:rPr lang="en-US" dirty="0" smtClean="0"/>
-              <a:t>Eigenvectors!</a:t>
-            </a:r>
-          </a:p>
-          <a:p>
-            <a:pPr lvl="1"/>
-            <a:r>
-              <a:rPr lang="en-US" dirty="0" smtClean="0"/>
-              <a:t>Extract data based on graph type</a:t>
-            </a:r>
-          </a:p>
-          <a:p>
-            <a:pPr lvl="2"/>
-            <a:r>
-              <a:rPr lang="en-US" dirty="0" smtClean="0"/>
-              <a:t>Pixel analysis and OCR</a:t>
+              <a:t>OCR and pixel analysis</a:t>
             </a:r>
             <a:endParaRPr lang="en-US" dirty="0"/>
           </a:p>
@@ -3499,6 +3485,13 @@
             <a:r>
               <a:rPr lang="en-US" dirty="0" smtClean="0"/>
               <a:t>Find objects</a:t>
+            </a:r>
+          </a:p>
+          <a:p>
+            <a:pPr lvl="1"/>
+            <a:r>
+              <a:rPr lang="en-US" dirty="0" smtClean="0"/>
+              <a:t>Filter irrelevant information</a:t>
             </a:r>
           </a:p>
           <a:p>
@@ -3713,7 +3706,7 @@
       </p:sp>
       <p:pic>
         <p:nvPicPr>
-          <p:cNvPr id="5" name="Picture 4"/>
+          <p:cNvPr id="6" name="Picture 5"/>
           <p:cNvPicPr>
             <a:picLocks noChangeAspect="1"/>
           </p:cNvPicPr>
@@ -3728,7 +3721,7 @@
         <p:spPr>
           <a:xfrm>
             <a:off x="457200" y="1417638"/>
-            <a:ext cx="8229600" cy="4962484"/>
+            <a:ext cx="8229600" cy="4945059"/>
           </a:xfrm>
           <a:prstGeom prst="rect">
             <a:avLst/>
@@ -3960,6 +3953,24 @@
           <a:lstStyle/>
           <a:p>
             <a:r>
+              <a:rPr lang="en-US" dirty="0"/>
+              <a:t>Optical Character Recognition</a:t>
+            </a:r>
+          </a:p>
+          <a:p>
+            <a:pPr lvl="1"/>
+            <a:r>
+              <a:rPr lang="en-US" dirty="0"/>
+              <a:t>Automatically read axis </a:t>
+            </a:r>
+            <a:r>
+              <a:rPr lang="en-US" dirty="0" smtClean="0"/>
+              <a:t>labels</a:t>
+            </a:r>
+            <a:endParaRPr lang="en-US" dirty="0" smtClean="0"/>
+          </a:p>
+          <a:p>
+            <a:r>
               <a:rPr lang="en-US" dirty="0" smtClean="0"/>
               <a:t>Pixel analysis</a:t>
             </a:r>
@@ -3976,19 +3987,6 @@
             <a:r>
               <a:rPr lang="en-US" dirty="0" smtClean="0"/>
               <a:t>Scale to match axes</a:t>
-            </a:r>
-          </a:p>
-          <a:p>
-            <a:r>
-              <a:rPr lang="en-US" dirty="0" smtClean="0"/>
-              <a:t>Optical Character Recognition</a:t>
-            </a:r>
-          </a:p>
-          <a:p>
-            <a:pPr lvl="1"/>
-            <a:r>
-              <a:rPr lang="en-US" dirty="0" smtClean="0"/>
-              <a:t>Automatically read axis labels</a:t>
             </a:r>
           </a:p>
         </p:txBody>

--- a/CS270-Presentation.pptx
+++ b/CS270-Presentation.pptx
@@ -3190,6 +3190,13 @@
   <p:clrMapOvr>
     <a:masterClrMapping/>
   </p:clrMapOvr>
+  <p:timing>
+    <p:tnLst>
+      <p:par>
+        <p:cTn id="1" dur="indefinite" restart="never" nodeType="tmRoot"/>
+      </p:par>
+    </p:tnLst>
+  </p:timing>
 </p:sld>
 </file>
 
@@ -3250,19 +3257,7 @@
           <a:p>
             <a:r>
               <a:rPr lang="en-US" dirty="0" smtClean="0"/>
-              <a:t>Goal: </a:t>
-            </a:r>
-            <a:r>
-              <a:rPr lang="en-US" dirty="0" smtClean="0"/>
-              <a:t>Automatically </a:t>
-            </a:r>
-            <a:r>
-              <a:rPr lang="en-US" dirty="0" smtClean="0"/>
-              <a:t>convert data visualizations into raw </a:t>
-            </a:r>
-            <a:r>
-              <a:rPr lang="en-US" dirty="0" smtClean="0"/>
-              <a:t>data</a:t>
+              <a:t>Goal: Automatically convert data visualizations into raw data</a:t>
             </a:r>
             <a:endParaRPr lang="en-US" dirty="0"/>
           </a:p>
@@ -3278,6 +3273,13 @@
   <p:clrMapOvr>
     <a:masterClrMapping/>
   </p:clrMapOvr>
+  <p:timing>
+    <p:tnLst>
+      <p:par>
+        <p:cTn id="1" dur="indefinite" restart="never" nodeType="tmRoot"/>
+      </p:par>
+    </p:tnLst>
+  </p:timing>
 </p:sld>
 </file>
 
@@ -3342,17 +3344,12 @@
               <a:rPr lang="en-US" dirty="0" smtClean="0"/>
               <a:t>Procedure:</a:t>
             </a:r>
-            <a:endParaRPr lang="en-US" dirty="0" smtClean="0"/>
           </a:p>
           <a:p>
             <a:pPr lvl="1"/>
             <a:r>
               <a:rPr lang="en-US" dirty="0" smtClean="0"/>
-              <a:t>Import </a:t>
-            </a:r>
-            <a:r>
-              <a:rPr lang="en-US" dirty="0" smtClean="0"/>
-              <a:t>data visualization</a:t>
+              <a:t>Import data visualization</a:t>
             </a:r>
           </a:p>
           <a:p>
@@ -3368,7 +3365,6 @@
               <a:rPr lang="en-US" dirty="0" smtClean="0"/>
               <a:t>Shape identification</a:t>
             </a:r>
-            <a:endParaRPr lang="en-US" dirty="0" smtClean="0"/>
           </a:p>
           <a:p>
             <a:pPr lvl="1"/>
@@ -3515,15 +3511,7 @@
             <a:pPr lvl="1"/>
             <a:r>
               <a:rPr lang="en-US" dirty="0" smtClean="0"/>
-              <a:t>Axes</a:t>
-            </a:r>
-            <a:r>
-              <a:rPr lang="en-US" dirty="0" smtClean="0"/>
-              <a:t>, data points, </a:t>
-            </a:r>
-            <a:r>
-              <a:rPr lang="en-US" dirty="0" smtClean="0"/>
-              <a:t>labels</a:t>
+              <a:t>Axes, data points, labels</a:t>
             </a:r>
           </a:p>
           <a:p>
@@ -3532,7 +3520,6 @@
               <a:rPr lang="en-US" dirty="0" smtClean="0"/>
               <a:t>Based on feature shapes</a:t>
             </a:r>
-            <a:endParaRPr lang="en-US" dirty="0" smtClean="0"/>
           </a:p>
         </p:txBody>
       </p:sp>
@@ -3798,15 +3785,7 @@
           <a:p>
             <a:r>
               <a:rPr lang="en-US" dirty="0" smtClean="0"/>
-              <a:t>Create a </a:t>
-            </a:r>
-            <a:r>
-              <a:rPr lang="en-US" dirty="0" smtClean="0"/>
-              <a:t>set of </a:t>
-            </a:r>
-            <a:r>
-              <a:rPr lang="en-US" dirty="0" smtClean="0"/>
-              <a:t>eigenvectors </a:t>
+              <a:t>Create a set of eigenvectors </a:t>
             </a:r>
             <a:r>
               <a:rPr lang="en-US" i="1" dirty="0" smtClean="0"/>
@@ -3818,15 +3797,7 @@
             <a:pPr lvl="1"/>
             <a:r>
               <a:rPr lang="en-US" dirty="0" smtClean="0"/>
-              <a:t>Each represents type </a:t>
-            </a:r>
-            <a:r>
-              <a:rPr lang="en-US" dirty="0" smtClean="0"/>
-              <a:t>of </a:t>
-            </a:r>
-            <a:r>
-              <a:rPr lang="en-US" dirty="0" smtClean="0"/>
-              <a:t>graph</a:t>
+              <a:t>Each represents type of graph</a:t>
             </a:r>
           </a:p>
           <a:p>
@@ -3967,7 +3938,6 @@
               <a:rPr lang="en-US" dirty="0" smtClean="0"/>
               <a:t>labels</a:t>
             </a:r>
-            <a:endParaRPr lang="en-US" dirty="0" smtClean="0"/>
           </a:p>
           <a:p>
             <a:r>
@@ -4063,18 +4033,28 @@
           <a:p>
             <a:r>
               <a:rPr lang="en-US" dirty="0" smtClean="0"/>
-              <a:t>Theoretical algorithm for </a:t>
-            </a:r>
+              <a:t>Theoretical algorithm for graph type</a:t>
+            </a:r>
+          </a:p>
+          <a:p>
             <a:r>
               <a:rPr lang="en-US" dirty="0" smtClean="0"/>
-              <a:t>graph type</a:t>
-            </a:r>
-          </a:p>
-          <a:p>
+              <a:t>Working algorithm for </a:t>
+            </a:r>
             <a:r>
               <a:rPr lang="en-US" dirty="0" smtClean="0"/>
-              <a:t>Working algorithm for scatterplots</a:t>
-            </a:r>
+              <a:t>scatterplots</a:t>
+            </a:r>
+          </a:p>
+          <a:p>
+            <a:pPr lvl="1"/>
+            <a:r>
+              <a:rPr lang="en-US" dirty="0">
+                <a:hlinkClick r:id="rId2"/>
+              </a:rPr>
+              <a:t>https://github.com/efriesen/CS270-Visualization</a:t>
+            </a:r>
+            <a:endParaRPr lang="en-US" dirty="0" smtClean="0"/>
           </a:p>
           <a:p>
             <a:r>
@@ -4426,24 +4406,6 @@
 </file>
 
 <file path=customXml/item1.xml><?xml version="1.0" encoding="utf-8"?>
-<p:properties xmlns:p="http://schemas.microsoft.com/office/2006/metadata/properties" xmlns:xsi="http://www.w3.org/2001/XMLSchema-instance" xmlns:pc="http://schemas.microsoft.com/office/infopath/2007/PartnerControls">
-  <documentManagement>
-    <_Version xmlns="http://schemas.microsoft.com/sharepoint/v3/fields" xsi:nil="true"/>
-    <_Status xmlns="http://schemas.microsoft.com/sharepoint/v3/fields">Not Started</_Status>
-  </documentManagement>
-</p:properties>
-</file>
-
-<file path=customXml/item2.xml><?xml version="1.0" encoding="utf-8"?>
-<?mso-contentType ?>
-<FormTemplates xmlns="http://schemas.microsoft.com/sharepoint/v3/contenttype/forms">
-  <Display>DocumentLibraryForm</Display>
-  <Edit>DocumentLibraryForm</Edit>
-  <New>DocumentLibraryForm</New>
-</FormTemplates>
-</file>
-
-<file path=customXml/item3.xml><?xml version="1.0" encoding="utf-8"?>
 <ct:contentTypeSchema xmlns:ct="http://schemas.microsoft.com/office/2006/metadata/contentType" xmlns:ma="http://schemas.microsoft.com/office/2006/metadata/properties/metaAttributes" ct:_="" ma:_="" ma:contentTypeName="Document" ma:contentTypeID="0x0101000DE64AEEDD9B7A4D93545ACBE97D4615" ma:contentTypeVersion="2" ma:contentTypeDescription="Create a new document." ma:contentTypeScope="" ma:versionID="f49002b78e3a4a71b814eef46a983816">
   <xsd:schema xmlns:xsd="http://www.w3.org/2001/XMLSchema" xmlns:xs="http://www.w3.org/2001/XMLSchema" xmlns:p="http://schemas.microsoft.com/office/2006/metadata/properties" xmlns:ns2="http://schemas.microsoft.com/sharepoint/v3/fields" targetNamespace="http://schemas.microsoft.com/office/2006/metadata/properties" ma:root="true" ma:fieldsID="38f6db2dd0d9a0cf6a8dc37be32b365b" ns2:_="">
     <xsd:import namespace="http://schemas.microsoft.com/sharepoint/v3/fields"/>
@@ -4587,25 +4549,25 @@
 </ct:contentTypeSchema>
 </file>
 
-<file path=customXml/itemProps1.xml><?xml version="1.0" encoding="utf-8"?>
-<ds:datastoreItem xmlns:ds="http://schemas.openxmlformats.org/officeDocument/2006/customXml" ds:itemID="{7B6F2769-7194-4217-93D3-3AF3A4742282}">
-  <ds:schemaRefs>
-    <ds:schemaRef ds:uri="http://schemas.microsoft.com/office/2006/metadata/properties"/>
-    <ds:schemaRef ds:uri="http://schemas.microsoft.com/office/infopath/2007/PartnerControls"/>
-    <ds:schemaRef ds:uri="http://schemas.microsoft.com/sharepoint/v3/fields"/>
-  </ds:schemaRefs>
-</ds:datastoreItem>
+<file path=customXml/item2.xml><?xml version="1.0" encoding="utf-8"?>
+<?mso-contentType ?>
+<FormTemplates xmlns="http://schemas.microsoft.com/sharepoint/v3/contenttype/forms">
+  <Display>DocumentLibraryForm</Display>
+  <Edit>DocumentLibraryForm</Edit>
+  <New>DocumentLibraryForm</New>
+</FormTemplates>
 </file>
 
-<file path=customXml/itemProps2.xml><?xml version="1.0" encoding="utf-8"?>
-<ds:datastoreItem xmlns:ds="http://schemas.openxmlformats.org/officeDocument/2006/customXml" ds:itemID="{87D2A1B0-FF3E-4009-940D-AED0EB70AA20}">
-  <ds:schemaRefs>
-    <ds:schemaRef ds:uri="http://schemas.microsoft.com/sharepoint/v3/contenttype/forms"/>
-  </ds:schemaRefs>
-</ds:datastoreItem>
+<file path=customXml/item3.xml><?xml version="1.0" encoding="utf-8"?>
+<p:properties xmlns:p="http://schemas.microsoft.com/office/2006/metadata/properties" xmlns:xsi="http://www.w3.org/2001/XMLSchema-instance" xmlns:pc="http://schemas.microsoft.com/office/infopath/2007/PartnerControls">
+  <documentManagement>
+    <_Version xmlns="http://schemas.microsoft.com/sharepoint/v3/fields" xsi:nil="true"/>
+    <_Status xmlns="http://schemas.microsoft.com/sharepoint/v3/fields">Not Started</_Status>
+  </documentManagement>
+</p:properties>
 </file>
 
-<file path=customXml/itemProps3.xml><?xml version="1.0" encoding="utf-8"?>
+<file path=customXml/itemProps1.xml><?xml version="1.0" encoding="utf-8"?>
 <ds:datastoreItem xmlns:ds="http://schemas.openxmlformats.org/officeDocument/2006/customXml" ds:itemID="{E4214858-785C-42F7-BE66-6D0E79395FC8}">
   <ds:schemaRefs>
     <ds:schemaRef ds:uri="http://schemas.microsoft.com/office/2006/metadata/contentType"/>
@@ -4621,4 +4583,22 @@
     <ds:schemaRef ds:uri="http://schemas.microsoft.com/internal/obd"/>
   </ds:schemaRefs>
 </ds:datastoreItem>
+</file>
+
+<file path=customXml/itemProps2.xml><?xml version="1.0" encoding="utf-8"?>
+<ds:datastoreItem xmlns:ds="http://schemas.openxmlformats.org/officeDocument/2006/customXml" ds:itemID="{87D2A1B0-FF3E-4009-940D-AED0EB70AA20}">
+  <ds:schemaRefs>
+    <ds:schemaRef ds:uri="http://schemas.microsoft.com/sharepoint/v3/contenttype/forms"/>
+  </ds:schemaRefs>
+</ds:datastoreItem>
+</file>
+
+<file path=customXml/itemProps3.xml><?xml version="1.0" encoding="utf-8"?>
+<ds:datastoreItem xmlns:ds="http://schemas.openxmlformats.org/officeDocument/2006/customXml" ds:itemID="{7B6F2769-7194-4217-93D3-3AF3A4742282}">
+  <ds:schemaRefs>
+    <ds:schemaRef ds:uri="http://schemas.microsoft.com/office/2006/metadata/properties"/>
+    <ds:schemaRef ds:uri="http://schemas.microsoft.com/office/infopath/2007/PartnerControls"/>
+    <ds:schemaRef ds:uri="http://schemas.microsoft.com/sharepoint/v3/fields"/>
+  </ds:schemaRefs>
+</ds:datastoreItem>
 </file>
--- a/CS270-Presentation.pptx
+++ b/CS270-Presentation.pptx
@@ -357,7 +357,7 @@
               <a:rPr lang="en-US" smtClean="0"/>
               <a:t>‹#›</a:t>
             </a:fld>
-            <a:endParaRPr lang="en-US"/>
+            <a:endParaRPr lang="en-US" dirty="0"/>
           </a:p>
         </p:txBody>
       </p:sp>
@@ -485,7 +485,7 @@
               <a:rPr lang="en-US" smtClean="0"/>
               <a:t>12/10/2013</a:t>
             </a:fld>
-            <a:endParaRPr lang="en-US"/>
+            <a:endParaRPr lang="en-US" dirty="0"/>
           </a:p>
         </p:txBody>
       </p:sp>
@@ -504,7 +504,7 @@
           <a:bodyPr/>
           <a:lstStyle/>
           <a:p>
-            <a:endParaRPr lang="en-US"/>
+            <a:endParaRPr lang="en-US" dirty="0"/>
           </a:p>
         </p:txBody>
       </p:sp>
@@ -527,7 +527,7 @@
               <a:rPr lang="en-US" smtClean="0"/>
               <a:t>‹#›</a:t>
             </a:fld>
-            <a:endParaRPr lang="en-US"/>
+            <a:endParaRPr lang="en-US" dirty="0"/>
           </a:p>
         </p:txBody>
       </p:sp>
@@ -665,7 +665,7 @@
               <a:rPr lang="en-US" smtClean="0"/>
               <a:t>12/10/2013</a:t>
             </a:fld>
-            <a:endParaRPr lang="en-US"/>
+            <a:endParaRPr lang="en-US" dirty="0"/>
           </a:p>
         </p:txBody>
       </p:sp>
@@ -684,7 +684,7 @@
           <a:bodyPr/>
           <a:lstStyle/>
           <a:p>
-            <a:endParaRPr lang="en-US"/>
+            <a:endParaRPr lang="en-US" dirty="0"/>
           </a:p>
         </p:txBody>
       </p:sp>
@@ -707,7 +707,7 @@
               <a:rPr lang="en-US" smtClean="0"/>
               <a:t>‹#›</a:t>
             </a:fld>
-            <a:endParaRPr lang="en-US"/>
+            <a:endParaRPr lang="en-US" dirty="0"/>
           </a:p>
         </p:txBody>
       </p:sp>
@@ -835,7 +835,7 @@
               <a:rPr lang="en-US" smtClean="0"/>
               <a:t>12/10/2013</a:t>
             </a:fld>
-            <a:endParaRPr lang="en-US"/>
+            <a:endParaRPr lang="en-US" dirty="0"/>
           </a:p>
         </p:txBody>
       </p:sp>
@@ -854,7 +854,7 @@
           <a:bodyPr/>
           <a:lstStyle/>
           <a:p>
-            <a:endParaRPr lang="en-US"/>
+            <a:endParaRPr lang="en-US" dirty="0"/>
           </a:p>
         </p:txBody>
       </p:sp>
@@ -877,7 +877,7 @@
               <a:rPr lang="en-US" smtClean="0"/>
               <a:t>‹#›</a:t>
             </a:fld>
-            <a:endParaRPr lang="en-US"/>
+            <a:endParaRPr lang="en-US" dirty="0"/>
           </a:p>
         </p:txBody>
       </p:sp>
@@ -1082,7 +1082,7 @@
               <a:pPr/>
               <a:t>12/10/2013</a:t>
             </a:fld>
-            <a:endParaRPr lang="en-US"/>
+            <a:endParaRPr lang="en-US" dirty="0"/>
           </a:p>
         </p:txBody>
       </p:sp>
@@ -1101,7 +1101,7 @@
           <a:bodyPr/>
           <a:lstStyle/>
           <a:p>
-            <a:endParaRPr lang="en-US"/>
+            <a:endParaRPr lang="en-US" dirty="0"/>
           </a:p>
         </p:txBody>
       </p:sp>
@@ -1125,7 +1125,7 @@
               <a:pPr/>
               <a:t>‹#›</a:t>
             </a:fld>
-            <a:endParaRPr lang="en-US"/>
+            <a:endParaRPr lang="en-US" dirty="0"/>
           </a:p>
         </p:txBody>
       </p:sp>
@@ -1371,7 +1371,7 @@
               <a:rPr lang="en-US" smtClean="0"/>
               <a:t>12/10/2013</a:t>
             </a:fld>
-            <a:endParaRPr lang="en-US"/>
+            <a:endParaRPr lang="en-US" dirty="0"/>
           </a:p>
         </p:txBody>
       </p:sp>
@@ -1390,7 +1390,7 @@
           <a:bodyPr/>
           <a:lstStyle/>
           <a:p>
-            <a:endParaRPr lang="en-US"/>
+            <a:endParaRPr lang="en-US" dirty="0"/>
           </a:p>
         </p:txBody>
       </p:sp>
@@ -1413,7 +1413,7 @@
               <a:rPr lang="en-US" smtClean="0"/>
               <a:t>‹#›</a:t>
             </a:fld>
-            <a:endParaRPr lang="en-US"/>
+            <a:endParaRPr lang="en-US" dirty="0"/>
           </a:p>
         </p:txBody>
       </p:sp>
@@ -1793,7 +1793,7 @@
               <a:rPr lang="en-US" smtClean="0"/>
               <a:t>12/10/2013</a:t>
             </a:fld>
-            <a:endParaRPr lang="en-US"/>
+            <a:endParaRPr lang="en-US" dirty="0"/>
           </a:p>
         </p:txBody>
       </p:sp>
@@ -1812,7 +1812,7 @@
           <a:bodyPr/>
           <a:lstStyle/>
           <a:p>
-            <a:endParaRPr lang="en-US"/>
+            <a:endParaRPr lang="en-US" dirty="0"/>
           </a:p>
         </p:txBody>
       </p:sp>
@@ -1835,7 +1835,7 @@
               <a:rPr lang="en-US" smtClean="0"/>
               <a:t>‹#›</a:t>
             </a:fld>
-            <a:endParaRPr lang="en-US"/>
+            <a:endParaRPr lang="en-US" dirty="0"/>
           </a:p>
         </p:txBody>
       </p:sp>
@@ -1911,7 +1911,7 @@
               <a:rPr lang="en-US" smtClean="0"/>
               <a:t>12/10/2013</a:t>
             </a:fld>
-            <a:endParaRPr lang="en-US"/>
+            <a:endParaRPr lang="en-US" dirty="0"/>
           </a:p>
         </p:txBody>
       </p:sp>
@@ -1930,7 +1930,7 @@
           <a:bodyPr/>
           <a:lstStyle/>
           <a:p>
-            <a:endParaRPr lang="en-US"/>
+            <a:endParaRPr lang="en-US" dirty="0"/>
           </a:p>
         </p:txBody>
       </p:sp>
@@ -1953,7 +1953,7 @@
               <a:rPr lang="en-US" smtClean="0"/>
               <a:t>‹#›</a:t>
             </a:fld>
-            <a:endParaRPr lang="en-US"/>
+            <a:endParaRPr lang="en-US" dirty="0"/>
           </a:p>
         </p:txBody>
       </p:sp>
@@ -2006,7 +2006,7 @@
               <a:rPr lang="en-US" smtClean="0"/>
               <a:t>12/10/2013</a:t>
             </a:fld>
-            <a:endParaRPr lang="en-US"/>
+            <a:endParaRPr lang="en-US" dirty="0"/>
           </a:p>
         </p:txBody>
       </p:sp>
@@ -2025,7 +2025,7 @@
           <a:bodyPr/>
           <a:lstStyle/>
           <a:p>
-            <a:endParaRPr lang="en-US"/>
+            <a:endParaRPr lang="en-US" dirty="0"/>
           </a:p>
         </p:txBody>
       </p:sp>
@@ -2048,7 +2048,7 @@
               <a:rPr lang="en-US" smtClean="0"/>
               <a:t>‹#›</a:t>
             </a:fld>
-            <a:endParaRPr lang="en-US"/>
+            <a:endParaRPr lang="en-US" dirty="0"/>
           </a:p>
         </p:txBody>
       </p:sp>
@@ -2283,7 +2283,7 @@
               <a:rPr lang="en-US" smtClean="0"/>
               <a:t>12/10/2013</a:t>
             </a:fld>
-            <a:endParaRPr lang="en-US"/>
+            <a:endParaRPr lang="en-US" dirty="0"/>
           </a:p>
         </p:txBody>
       </p:sp>
@@ -2302,7 +2302,7 @@
           <a:bodyPr/>
           <a:lstStyle/>
           <a:p>
-            <a:endParaRPr lang="en-US"/>
+            <a:endParaRPr lang="en-US" dirty="0"/>
           </a:p>
         </p:txBody>
       </p:sp>
@@ -2455,7 +2455,7 @@
             </a:lvl9pPr>
           </a:lstStyle>
           <a:p>
-            <a:endParaRPr lang="en-US"/>
+            <a:endParaRPr lang="en-US" dirty="0"/>
           </a:p>
         </p:txBody>
       </p:sp>
@@ -2543,7 +2543,7 @@
               <a:rPr lang="en-US" smtClean="0"/>
               <a:t>12/10/2013</a:t>
             </a:fld>
-            <a:endParaRPr lang="en-US"/>
+            <a:endParaRPr lang="en-US" dirty="0"/>
           </a:p>
         </p:txBody>
       </p:sp>
@@ -2562,7 +2562,7 @@
           <a:bodyPr/>
           <a:lstStyle/>
           <a:p>
-            <a:endParaRPr lang="en-US"/>
+            <a:endParaRPr lang="en-US" dirty="0"/>
           </a:p>
         </p:txBody>
       </p:sp>
@@ -2585,7 +2585,7 @@
               <a:rPr lang="en-US" smtClean="0"/>
               <a:t>‹#›</a:t>
             </a:fld>
-            <a:endParaRPr lang="en-US"/>
+            <a:endParaRPr lang="en-US" dirty="0"/>
           </a:p>
         </p:txBody>
       </p:sp>
@@ -2756,7 +2756,7 @@
               <a:rPr lang="en-US" smtClean="0"/>
               <a:t>12/10/2013</a:t>
             </a:fld>
-            <a:endParaRPr lang="en-US"/>
+            <a:endParaRPr lang="en-US" dirty="0"/>
           </a:p>
         </p:txBody>
       </p:sp>
@@ -2793,7 +2793,7 @@
             </a:lvl1pPr>
           </a:lstStyle>
           <a:p>
-            <a:endParaRPr lang="en-US"/>
+            <a:endParaRPr lang="en-US" dirty="0"/>
           </a:p>
         </p:txBody>
       </p:sp>
@@ -2834,7 +2834,7 @@
               <a:rPr lang="en-US" smtClean="0"/>
               <a:t>‹#›</a:t>
             </a:fld>
-            <a:endParaRPr lang="en-US"/>
+            <a:endParaRPr lang="en-US" dirty="0"/>
           </a:p>
         </p:txBody>
       </p:sp>
@@ -3804,7 +3804,11 @@
             <a:pPr lvl="1"/>
             <a:r>
               <a:rPr lang="en-US" dirty="0" smtClean="0"/>
-              <a:t>Repeatedly analyze known graphs</a:t>
+              <a:t>Generate by repeatedly analyzing </a:t>
+            </a:r>
+            <a:r>
+              <a:rPr lang="en-US" dirty="0" smtClean="0"/>
+              <a:t>known graphs</a:t>
             </a:r>
           </a:p>
           <a:p>
@@ -4039,11 +4043,11 @@
           <a:p>
             <a:r>
               <a:rPr lang="en-US" dirty="0" smtClean="0"/>
-              <a:t>Working algorithm for </a:t>
+              <a:t>Working </a:t>
             </a:r>
             <a:r>
               <a:rPr lang="en-US" dirty="0" smtClean="0"/>
-              <a:t>scatterplots</a:t>
+              <a:t>code (95%) for scatterplots</a:t>
             </a:r>
           </a:p>
           <a:p>

--- a/CS270-Presentation.pptx
+++ b/CS270-Presentation.pptx
@@ -3263,6 +3263,54 @@
           </a:p>
         </p:txBody>
       </p:sp>
+      <p:pic>
+        <p:nvPicPr>
+          <p:cNvPr id="4" name="Picture 3"/>
+          <p:cNvPicPr>
+            <a:picLocks noChangeAspect="1"/>
+          </p:cNvPicPr>
+          <p:nvPr/>
+        </p:nvPicPr>
+        <p:blipFill>
+          <a:blip r:embed="rId2"/>
+          <a:stretch>
+            <a:fillRect/>
+          </a:stretch>
+        </p:blipFill>
+        <p:spPr>
+          <a:xfrm>
+            <a:off x="457200" y="2913400"/>
+            <a:ext cx="4114800" cy="2472302"/>
+          </a:xfrm>
+          <a:prstGeom prst="rect">
+            <a:avLst/>
+          </a:prstGeom>
+        </p:spPr>
+      </p:pic>
+      <p:pic>
+        <p:nvPicPr>
+          <p:cNvPr id="5" name="Picture 4"/>
+          <p:cNvPicPr>
+            <a:picLocks noChangeAspect="1"/>
+          </p:cNvPicPr>
+          <p:nvPr/>
+        </p:nvPicPr>
+        <p:blipFill>
+          <a:blip r:embed="rId3"/>
+          <a:stretch>
+            <a:fillRect/>
+          </a:stretch>
+        </p:blipFill>
+        <p:spPr>
+          <a:xfrm>
+            <a:off x="5029200" y="2154927"/>
+            <a:ext cx="3657600" cy="3989248"/>
+          </a:xfrm>
+          <a:prstGeom prst="rect">
+            <a:avLst/>
+          </a:prstGeom>
+        </p:spPr>
+      </p:pic>
     </p:spTree>
     <p:extLst>
       <p:ext uri="{BB962C8B-B14F-4D97-AF65-F5344CB8AC3E}">
@@ -3407,6 +3455,13 @@
   <p:clrMapOvr>
     <a:masterClrMapping/>
   </p:clrMapOvr>
+  <p:timing>
+    <p:tnLst>
+      <p:par>
+        <p:cTn id="1" dur="indefinite" restart="never" nodeType="tmRoot"/>
+      </p:par>
+    </p:tnLst>
+  </p:timing>
 </p:sld>
 </file>
 
@@ -3804,12 +3859,9 @@
             <a:pPr lvl="1"/>
             <a:r>
               <a:rPr lang="en-US" dirty="0" smtClean="0"/>
-              <a:t>Generate by repeatedly analyzing </a:t>
-            </a:r>
-            <a:r>
-              <a:rPr lang="en-US" dirty="0" smtClean="0"/>
-              <a:t>known graphs</a:t>
-            </a:r>
+              <a:t>Generate by repeatedly analyzing known graphs</a:t>
+            </a:r>
+            <a:endParaRPr lang="en-US" dirty="0" smtClean="0"/>
           </a:p>
           <a:p>
             <a:r>
